--- a/data/geografija/prezentacije/F2_G2_003_Hrvatska_i_europski_prometni_smjerovi.pptx
+++ b/data/geografija/prezentacije/F2_G2_003_Hrvatska_i_europski_prometni_smjerovi.pptx
@@ -5,16 +5,17 @@
     <p:sldMasterId id="2147483648" r:id="rId1"/>
   </p:sldMasterIdLst>
   <p:notesMasterIdLst>
-    <p:notesMasterId r:id="rId9"/>
+    <p:notesMasterId r:id="rId10"/>
   </p:notesMasterIdLst>
   <p:sldIdLst>
     <p:sldId id="377" r:id="rId2"/>
     <p:sldId id="382" r:id="rId3"/>
     <p:sldId id="379" r:id="rId4"/>
-    <p:sldId id="380" r:id="rId5"/>
-    <p:sldId id="381" r:id="rId6"/>
-    <p:sldId id="383" r:id="rId7"/>
-    <p:sldId id="378" r:id="rId8"/>
+    <p:sldId id="384" r:id="rId5"/>
+    <p:sldId id="380" r:id="rId6"/>
+    <p:sldId id="381" r:id="rId7"/>
+    <p:sldId id="383" r:id="rId8"/>
+    <p:sldId id="378" r:id="rId9"/>
   </p:sldIdLst>
   <p:sldSz cx="9144000" cy="6858000" type="screen4x3"/>
   <p:notesSz cx="6858000" cy="9144000"/>
@@ -198,7 +199,7 @@
           <a:p>
             <a:fld id="{89FA8683-D335-487D-B25C-582E7499E131}" type="datetimeFigureOut">
               <a:rPr lang="hr-HR" smtClean="0"/>
-              <a:t>13.10.2019.</a:t>
+              <a:t>14.10.2019.</a:t>
             </a:fld>
             <a:endParaRPr lang="hr-HR"/>
           </a:p>
@@ -648,7 +649,7 @@
             <a:fld id="{99A247F4-8497-4C19-A3B5-0A75475EBA66}" type="datetimeFigureOut">
               <a:rPr lang="hr-HR" smtClean="0"/>
               <a:pPr/>
-              <a:t>13.10.2019.</a:t>
+              <a:t>14.10.2019.</a:t>
             </a:fld>
             <a:endParaRPr lang="hr-HR"/>
           </a:p>
@@ -823,7 +824,7 @@
             <a:fld id="{99A247F4-8497-4C19-A3B5-0A75475EBA66}" type="datetimeFigureOut">
               <a:rPr lang="hr-HR" smtClean="0"/>
               <a:pPr/>
-              <a:t>13.10.2019.</a:t>
+              <a:t>14.10.2019.</a:t>
             </a:fld>
             <a:endParaRPr lang="hr-HR"/>
           </a:p>
@@ -1008,7 +1009,7 @@
             <a:fld id="{99A247F4-8497-4C19-A3B5-0A75475EBA66}" type="datetimeFigureOut">
               <a:rPr lang="hr-HR" smtClean="0"/>
               <a:pPr/>
-              <a:t>13.10.2019.</a:t>
+              <a:t>14.10.2019.</a:t>
             </a:fld>
             <a:endParaRPr lang="hr-HR"/>
           </a:p>
@@ -1636,7 +1637,7 @@
             <a:fld id="{99A247F4-8497-4C19-A3B5-0A75475EBA66}" type="datetimeFigureOut">
               <a:rPr lang="hr-HR" smtClean="0"/>
               <a:pPr/>
-              <a:t>13.10.2019.</a:t>
+              <a:t>14.10.2019.</a:t>
             </a:fld>
             <a:endParaRPr lang="hr-HR"/>
           </a:p>
@@ -1929,7 +1930,7 @@
             <a:fld id="{99A247F4-8497-4C19-A3B5-0A75475EBA66}" type="datetimeFigureOut">
               <a:rPr lang="hr-HR" smtClean="0"/>
               <a:pPr/>
-              <a:t>13.10.2019.</a:t>
+              <a:t>14.10.2019.</a:t>
             </a:fld>
             <a:endParaRPr lang="hr-HR"/>
           </a:p>
@@ -2356,7 +2357,7 @@
             <a:fld id="{99A247F4-8497-4C19-A3B5-0A75475EBA66}" type="datetimeFigureOut">
               <a:rPr lang="hr-HR" smtClean="0"/>
               <a:pPr/>
-              <a:t>13.10.2019.</a:t>
+              <a:t>14.10.2019.</a:t>
             </a:fld>
             <a:endParaRPr lang="hr-HR"/>
           </a:p>
@@ -2479,7 +2480,7 @@
             <a:fld id="{99A247F4-8497-4C19-A3B5-0A75475EBA66}" type="datetimeFigureOut">
               <a:rPr lang="hr-HR" smtClean="0"/>
               <a:pPr/>
-              <a:t>13.10.2019.</a:t>
+              <a:t>14.10.2019.</a:t>
             </a:fld>
             <a:endParaRPr lang="hr-HR"/>
           </a:p>
@@ -2579,7 +2580,7 @@
             <a:fld id="{99A247F4-8497-4C19-A3B5-0A75475EBA66}" type="datetimeFigureOut">
               <a:rPr lang="hr-HR" smtClean="0"/>
               <a:pPr/>
-              <a:t>13.10.2019.</a:t>
+              <a:t>14.10.2019.</a:t>
             </a:fld>
             <a:endParaRPr lang="hr-HR"/>
           </a:p>
@@ -2861,7 +2862,7 @@
             <a:fld id="{99A247F4-8497-4C19-A3B5-0A75475EBA66}" type="datetimeFigureOut">
               <a:rPr lang="hr-HR" smtClean="0"/>
               <a:pPr/>
-              <a:t>13.10.2019.</a:t>
+              <a:t>14.10.2019.</a:t>
             </a:fld>
             <a:endParaRPr lang="hr-HR"/>
           </a:p>
@@ -3119,7 +3120,7 @@
             <a:fld id="{99A247F4-8497-4C19-A3B5-0A75475EBA66}" type="datetimeFigureOut">
               <a:rPr lang="hr-HR" smtClean="0"/>
               <a:pPr/>
-              <a:t>13.10.2019.</a:t>
+              <a:t>14.10.2019.</a:t>
             </a:fld>
             <a:endParaRPr lang="hr-HR"/>
           </a:p>
@@ -3337,7 +3338,7 @@
             <a:fld id="{99A247F4-8497-4C19-A3B5-0A75475EBA66}" type="datetimeFigureOut">
               <a:rPr lang="hr-HR" smtClean="0"/>
               <a:pPr/>
-              <a:t>13.10.2019.</a:t>
+              <a:t>14.10.2019.</a:t>
             </a:fld>
             <a:endParaRPr lang="hr-HR"/>
           </a:p>
@@ -3991,13 +3992,13 @@
   <p:clrMapOvr>
     <a:masterClrMapping/>
   </p:clrMapOvr>
-  <mc:AlternateContent xmlns:mc="http://schemas.openxmlformats.org/markup-compatibility/2006">
-    <mc:Choice xmlns:p14="http://schemas.microsoft.com/office/powerpoint/2010/main" Requires="p14">
+  <mc:AlternateContent xmlns:mc="http://schemas.openxmlformats.org/markup-compatibility/2006" xmlns:p14="http://schemas.microsoft.com/office/powerpoint/2010/main">
+    <mc:Choice Requires="p14">
       <p:transition>
         <p14:reveal/>
       </p:transition>
     </mc:Choice>
-    <mc:Fallback>
+    <mc:Fallback xmlns="">
       <p:transition>
         <p:fade/>
       </p:transition>
@@ -4562,7 +4563,6 @@
               <a:rPr lang="hr-HR" sz="2000" dirty="0" smtClean="0"/>
               <a:t>nizinom Save i Drave</a:t>
             </a:r>
-            <a:endParaRPr lang="hr-HR" sz="2000" dirty="0" smtClean="0"/>
           </a:p>
         </p:txBody>
       </p:sp>
@@ -4710,11 +4710,7 @@
           <a:p>
             <a:r>
               <a:rPr lang="hr-HR" dirty="0" smtClean="0"/>
-              <a:t>Pula </a:t>
-            </a:r>
-            <a:r>
-              <a:rPr lang="hr-HR" dirty="0" smtClean="0"/>
-              <a:t>– </a:t>
+              <a:t>Pula – </a:t>
             </a:r>
             <a:r>
               <a:rPr lang="hr-HR" dirty="0" err="1" smtClean="0"/>
@@ -4725,11 +4721,7 @@
           <a:p>
             <a:r>
               <a:rPr lang="hr-HR" dirty="0" smtClean="0"/>
-              <a:t>Zadar </a:t>
-            </a:r>
-            <a:r>
-              <a:rPr lang="hr-HR" dirty="0" smtClean="0"/>
-              <a:t>– </a:t>
+              <a:t>Zadar – </a:t>
             </a:r>
             <a:r>
               <a:rPr lang="hr-HR" dirty="0" err="1" smtClean="0"/>
@@ -4740,11 +4732,7 @@
           <a:p>
             <a:r>
               <a:rPr lang="hr-HR" dirty="0" smtClean="0"/>
-              <a:t>Split </a:t>
-            </a:r>
-            <a:r>
-              <a:rPr lang="hr-HR" dirty="0" smtClean="0"/>
-              <a:t>– </a:t>
+              <a:t>Split – </a:t>
             </a:r>
             <a:r>
               <a:rPr lang="hr-HR" dirty="0" err="1" smtClean="0"/>
@@ -4755,11 +4743,7 @@
           <a:p>
             <a:r>
               <a:rPr lang="hr-HR" dirty="0" smtClean="0"/>
-              <a:t>Dubrovnik </a:t>
-            </a:r>
-            <a:r>
-              <a:rPr lang="hr-HR" dirty="0" smtClean="0"/>
-              <a:t>– Bari</a:t>
+              <a:t>Dubrovnik – Bari</a:t>
             </a:r>
           </a:p>
           <a:p>
@@ -4774,25 +4758,13 @@
                   <a:srgbClr val="FF0000"/>
                 </a:solidFill>
               </a:rPr>
-              <a:t>riječna </a:t>
-            </a:r>
-            <a:r>
-              <a:rPr lang="hr-HR" b="1" dirty="0" smtClean="0">
-                <a:solidFill>
-                  <a:srgbClr val="FF0000"/>
-                </a:solidFill>
-              </a:rPr>
-              <a:t>luka </a:t>
+              <a:t>riječna luka </a:t>
             </a:r>
           </a:p>
           <a:p>
             <a:r>
               <a:rPr lang="hr-HR" dirty="0" smtClean="0"/>
-              <a:t>Vukovar </a:t>
-            </a:r>
-            <a:r>
-              <a:rPr lang="hr-HR" dirty="0" smtClean="0"/>
-              <a:t>(Dunav) </a:t>
+              <a:t>Vukovar (Dunav) </a:t>
             </a:r>
           </a:p>
         </p:txBody>
@@ -4807,13 +4779,13 @@
   <p:clrMapOvr>
     <a:masterClrMapping/>
   </p:clrMapOvr>
-  <mc:AlternateContent xmlns:mc="http://schemas.openxmlformats.org/markup-compatibility/2006">
-    <mc:Choice xmlns:p14="http://schemas.microsoft.com/office/powerpoint/2010/main" Requires="p14">
+  <mc:AlternateContent xmlns:mc="http://schemas.openxmlformats.org/markup-compatibility/2006" xmlns:p14="http://schemas.microsoft.com/office/powerpoint/2010/main">
+    <mc:Choice Requires="p14">
       <p:transition>
         <p14:reveal/>
       </p:transition>
     </mc:Choice>
-    <mc:Fallback>
+    <mc:Fallback xmlns="">
       <p:transition>
         <p:fade/>
       </p:transition>
@@ -4957,7 +4929,7 @@
 </file>
 
 <file path=ppt/slides/slide3.xml><?xml version="1.0" encoding="utf-8"?>
-<p:sld xmlns:a="http://schemas.openxmlformats.org/drawingml/2006/main" xmlns:r="http://schemas.openxmlformats.org/officeDocument/2006/relationships" xmlns:p="http://schemas.openxmlformats.org/presentationml/2006/main">
+<p:sld xmlns:a="http://schemas.openxmlformats.org/drawingml/2006/main" xmlns:r="http://schemas.openxmlformats.org/officeDocument/2006/relationships" xmlns:p="http://schemas.openxmlformats.org/presentationml/2006/main" show="0">
   <p:cSld>
     <p:spTree>
       <p:nvGrpSpPr>
@@ -6058,6 +6030,1233 @@
       </p:grpSpPr>
       <p:pic>
         <p:nvPicPr>
+          <p:cNvPr id="1026" name="Picture 2"/>
+          <p:cNvPicPr>
+            <a:picLocks noChangeAspect="1" noChangeArrowheads="1"/>
+          </p:cNvPicPr>
+          <p:nvPr/>
+        </p:nvPicPr>
+        <p:blipFill>
+          <a:blip r:embed="rId2">
+            <a:extLst>
+              <a:ext uri="{BEBA8EAE-BF5A-486C-A8C5-ECC9F3942E4B}">
+                <a14:imgProps xmlns:a14="http://schemas.microsoft.com/office/drawing/2010/main">
+                  <a14:imgLayer r:embed="rId3">
+                    <a14:imgEffect>
+                      <a14:sharpenSoften amount="25000"/>
+                    </a14:imgEffect>
+                    <a14:imgEffect>
+                      <a14:brightnessContrast contrast="10000"/>
+                    </a14:imgEffect>
+                  </a14:imgLayer>
+                </a14:imgProps>
+              </a:ext>
+              <a:ext uri="{28A0092B-C50C-407E-A947-70E740481C1C}">
+                <a14:useLocalDpi xmlns:a14="http://schemas.microsoft.com/office/drawing/2010/main" val="0"/>
+              </a:ext>
+            </a:extLst>
+          </a:blip>
+          <a:srcRect/>
+          <a:stretch>
+            <a:fillRect/>
+          </a:stretch>
+        </p:blipFill>
+        <p:spPr bwMode="auto">
+          <a:xfrm>
+            <a:off x="2627784" y="640713"/>
+            <a:ext cx="6516216" cy="6172049"/>
+          </a:xfrm>
+          <a:prstGeom prst="rect">
+            <a:avLst/>
+          </a:prstGeom>
+          <a:noFill/>
+          <a:ln>
+            <a:noFill/>
+          </a:ln>
+          <a:extLst>
+            <a:ext uri="{909E8E84-426E-40DD-AFC4-6F175D3DCCD1}">
+              <a14:hiddenFill xmlns:a14="http://schemas.microsoft.com/office/drawing/2010/main">
+                <a:solidFill>
+                  <a:schemeClr val="accent1"/>
+                </a:solidFill>
+              </a14:hiddenFill>
+            </a:ext>
+            <a:ext uri="{91240B29-F687-4F45-9708-019B960494DF}">
+              <a14:hiddenLine xmlns:a14="http://schemas.microsoft.com/office/drawing/2010/main" w="9525">
+                <a:solidFill>
+                  <a:schemeClr val="tx1"/>
+                </a:solidFill>
+                <a:miter lim="800000"/>
+                <a:headEnd/>
+                <a:tailEnd/>
+              </a14:hiddenLine>
+            </a:ext>
+          </a:extLst>
+        </p:spPr>
+      </p:pic>
+      <p:sp>
+        <p:nvSpPr>
+          <p:cNvPr id="5" name="Naslov 3"/>
+          <p:cNvSpPr txBox="1">
+            <a:spLocks/>
+          </p:cNvSpPr>
+          <p:nvPr/>
+        </p:nvSpPr>
+        <p:spPr>
+          <a:xfrm>
+            <a:off x="142876" y="-24"/>
+            <a:ext cx="9001124" cy="642918"/>
+          </a:xfrm>
+          <a:prstGeom prst="rect">
+            <a:avLst/>
+          </a:prstGeom>
+          <a:noFill/>
+        </p:spPr>
+        <p:txBody>
+          <a:bodyPr>
+            <a:noAutofit/>
+          </a:bodyPr>
+          <a:lstStyle/>
+          <a:p>
+            <a:pPr marL="0" marR="0" lvl="0" indent="0" defTabSz="914400" rtl="0" eaLnBrk="1" fontAlgn="auto" latinLnBrk="0" hangingPunct="1">
+              <a:lnSpc>
+                <a:spcPct val="100000"/>
+              </a:lnSpc>
+              <a:spcBef>
+                <a:spcPct val="0"/>
+              </a:spcBef>
+              <a:spcAft>
+                <a:spcPts val="0"/>
+              </a:spcAft>
+              <a:buClrTx/>
+              <a:buSzTx/>
+              <a:buFontTx/>
+              <a:buNone/>
+              <a:tabLst/>
+              <a:defRPr/>
+            </a:pPr>
+            <a:r>
+              <a:rPr kumimoji="0" lang="hr-HR" sz="3600" b="1" i="0" u="none" strike="noStrike" kern="1200" cap="none" spc="0" normalizeH="0" baseline="0" noProof="0" dirty="0" smtClean="0">
+                <a:ln>
+                  <a:noFill/>
+                </a:ln>
+                <a:solidFill>
+                  <a:schemeClr val="tx1"/>
+                </a:solidFill>
+                <a:effectLst/>
+                <a:uLnTx/>
+                <a:uFillTx/>
+                <a:latin typeface="+mj-lt"/>
+                <a:ea typeface="+mj-ea"/>
+                <a:cs typeface="+mj-cs"/>
+              </a:rPr>
+              <a:t>Hrvatski </a:t>
+            </a:r>
+            <a:r>
+              <a:rPr lang="hr-HR" sz="3600" b="1" dirty="0" smtClean="0">
+                <a:latin typeface="+mj-lt"/>
+                <a:ea typeface="+mj-ea"/>
+                <a:cs typeface="+mj-cs"/>
+              </a:rPr>
+              <a:t>prometni </a:t>
+            </a:r>
+            <a:r>
+              <a:rPr kumimoji="0" lang="hr-HR" sz="3600" b="1" i="0" u="none" strike="noStrike" kern="1200" cap="none" spc="0" normalizeH="0" noProof="0" dirty="0" smtClean="0">
+                <a:ln>
+                  <a:noFill/>
+                </a:ln>
+                <a:solidFill>
+                  <a:schemeClr val="tx1"/>
+                </a:solidFill>
+                <a:effectLst/>
+                <a:uLnTx/>
+                <a:uFillTx/>
+                <a:latin typeface="+mj-lt"/>
+                <a:ea typeface="+mj-ea"/>
+                <a:cs typeface="+mj-cs"/>
+              </a:rPr>
+              <a:t>prag</a:t>
+            </a:r>
+            <a:endParaRPr kumimoji="0" lang="hr-HR" sz="3600" b="0" i="0" u="none" strike="noStrike" kern="1200" cap="none" spc="0" normalizeH="0" baseline="0" noProof="0" dirty="0">
+              <a:ln>
+                <a:noFill/>
+              </a:ln>
+              <a:solidFill>
+                <a:schemeClr val="tx1"/>
+              </a:solidFill>
+              <a:effectLst/>
+              <a:uLnTx/>
+              <a:uFillTx/>
+              <a:latin typeface="+mj-lt"/>
+              <a:ea typeface="+mj-ea"/>
+              <a:cs typeface="+mj-cs"/>
+            </a:endParaRPr>
+          </a:p>
+        </p:txBody>
+      </p:sp>
+      <p:pic>
+        <p:nvPicPr>
+          <p:cNvPr id="6" name="Picture 2"/>
+          <p:cNvPicPr>
+            <a:picLocks noChangeAspect="1" noChangeArrowheads="1"/>
+          </p:cNvPicPr>
+          <p:nvPr/>
+        </p:nvPicPr>
+        <p:blipFill>
+          <a:blip r:embed="rId4" cstate="email">
+            <a:extLst>
+              <a:ext uri="{28A0092B-C50C-407E-A947-70E740481C1C}">
+                <a14:useLocalDpi xmlns:a14="http://schemas.microsoft.com/office/drawing/2010/main" val="0"/>
+              </a:ext>
+            </a:extLst>
+          </a:blip>
+          <a:srcRect/>
+          <a:stretch>
+            <a:fillRect/>
+          </a:stretch>
+        </p:blipFill>
+        <p:spPr bwMode="auto">
+          <a:xfrm>
+            <a:off x="0" y="3933056"/>
+            <a:ext cx="2856694" cy="2924943"/>
+          </a:xfrm>
+          <a:prstGeom prst="rect">
+            <a:avLst/>
+          </a:prstGeom>
+          <a:noFill/>
+          <a:ln>
+            <a:noFill/>
+          </a:ln>
+          <a:effectLst/>
+          <a:extLst>
+            <a:ext uri="{909E8E84-426E-40DD-AFC4-6F175D3DCCD1}">
+              <a14:hiddenFill xmlns:a14="http://schemas.microsoft.com/office/drawing/2010/main">
+                <a:solidFill>
+                  <a:schemeClr val="accent1"/>
+                </a:solidFill>
+              </a14:hiddenFill>
+            </a:ext>
+            <a:ext uri="{91240B29-F687-4F45-9708-019B960494DF}">
+              <a14:hiddenLine xmlns:a14="http://schemas.microsoft.com/office/drawing/2010/main" w="9525">
+                <a:solidFill>
+                  <a:schemeClr val="tx1"/>
+                </a:solidFill>
+                <a:miter lim="800000"/>
+                <a:headEnd/>
+                <a:tailEnd/>
+              </a14:hiddenLine>
+            </a:ext>
+            <a:ext uri="{AF507438-7753-43E0-B8FC-AC1667EBCBE1}">
+              <a14:hiddenEffects xmlns:a14="http://schemas.microsoft.com/office/drawing/2010/main">
+                <a:effectLst>
+                  <a:outerShdw dist="35921" dir="2700000" algn="ctr" rotWithShape="0">
+                    <a:schemeClr val="bg2"/>
+                  </a:outerShdw>
+                </a:effectLst>
+              </a14:hiddenEffects>
+            </a:ext>
+          </a:extLst>
+        </p:spPr>
+      </p:pic>
+      <p:sp>
+        <p:nvSpPr>
+          <p:cNvPr id="7" name="Rectangle 6"/>
+          <p:cNvSpPr/>
+          <p:nvPr/>
+        </p:nvSpPr>
+        <p:spPr>
+          <a:xfrm>
+            <a:off x="395536" y="4653136"/>
+            <a:ext cx="541791" cy="703095"/>
+          </a:xfrm>
+          <a:prstGeom prst="rect">
+            <a:avLst/>
+          </a:prstGeom>
+          <a:noFill/>
+          <a:ln w="76200">
+            <a:solidFill>
+              <a:srgbClr val="FF0000"/>
+            </a:solidFill>
+          </a:ln>
+        </p:spPr>
+        <p:style>
+          <a:lnRef idx="2">
+            <a:schemeClr val="accent1">
+              <a:shade val="50000"/>
+            </a:schemeClr>
+          </a:lnRef>
+          <a:fillRef idx="1">
+            <a:schemeClr val="accent1"/>
+          </a:fillRef>
+          <a:effectRef idx="0">
+            <a:schemeClr val="accent1"/>
+          </a:effectRef>
+          <a:fontRef idx="minor">
+            <a:schemeClr val="lt1"/>
+          </a:fontRef>
+        </p:style>
+        <p:txBody>
+          <a:bodyPr rtlCol="0" anchor="ctr"/>
+          <a:lstStyle/>
+          <a:p>
+            <a:pPr algn="ctr"/>
+            <a:endParaRPr lang="hr-HR"/>
+          </a:p>
+        </p:txBody>
+      </p:sp>
+      <p:sp>
+        <p:nvSpPr>
+          <p:cNvPr id="8" name="TextBox 7"/>
+          <p:cNvSpPr txBox="1"/>
+          <p:nvPr/>
+        </p:nvSpPr>
+        <p:spPr>
+          <a:xfrm>
+            <a:off x="-32" y="714356"/>
+            <a:ext cx="4000528" cy="1200329"/>
+          </a:xfrm>
+          <a:prstGeom prst="rect">
+            <a:avLst/>
+          </a:prstGeom>
+          <a:solidFill>
+            <a:schemeClr val="bg1"/>
+          </a:solidFill>
+          <a:ln>
+            <a:noFill/>
+          </a:ln>
+          <a:effectLst/>
+        </p:spPr>
+        <p:txBody>
+          <a:bodyPr wrap="square" rtlCol="0">
+            <a:spAutoFit/>
+          </a:bodyPr>
+          <a:lstStyle/>
+          <a:p>
+            <a:pPr marL="288000" indent="-288000">
+              <a:buFont typeface="Calibri" pitchFamily="34" charset="0"/>
+              <a:buChar char="–"/>
+            </a:pPr>
+            <a:r>
+              <a:rPr lang="hr-HR" sz="2400" dirty="0" smtClean="0"/>
+              <a:t>najkraći put između panonsko-peripanonskog i primorskog dijela Hrvatske</a:t>
+            </a:r>
+          </a:p>
+        </p:txBody>
+      </p:sp>
+      <p:sp>
+        <p:nvSpPr>
+          <p:cNvPr id="2" name="Rectangle 1"/>
+          <p:cNvSpPr/>
+          <p:nvPr/>
+        </p:nvSpPr>
+        <p:spPr>
+          <a:xfrm>
+            <a:off x="6588224" y="5805264"/>
+            <a:ext cx="504056" cy="288032"/>
+          </a:xfrm>
+          <a:prstGeom prst="rect">
+            <a:avLst/>
+          </a:prstGeom>
+          <a:ln w="57150">
+            <a:solidFill>
+              <a:srgbClr val="FF0000"/>
+            </a:solidFill>
+          </a:ln>
+        </p:spPr>
+        <p:style>
+          <a:lnRef idx="1">
+            <a:schemeClr val="accent1"/>
+          </a:lnRef>
+          <a:fillRef idx="0">
+            <a:schemeClr val="accent1"/>
+          </a:fillRef>
+          <a:effectRef idx="0">
+            <a:schemeClr val="accent1"/>
+          </a:effectRef>
+          <a:fontRef idx="minor">
+            <a:schemeClr val="tx1"/>
+          </a:fontRef>
+        </p:style>
+        <p:txBody>
+          <a:bodyPr rtlCol="0" anchor="ctr"/>
+          <a:lstStyle/>
+          <a:p>
+            <a:pPr algn="ctr"/>
+            <a:endParaRPr lang="hr-HR"/>
+          </a:p>
+        </p:txBody>
+      </p:sp>
+      <p:sp>
+        <p:nvSpPr>
+          <p:cNvPr id="9" name="Rectangle 8"/>
+          <p:cNvSpPr/>
+          <p:nvPr/>
+        </p:nvSpPr>
+        <p:spPr>
+          <a:xfrm>
+            <a:off x="5885892" y="4077072"/>
+            <a:ext cx="702332" cy="288032"/>
+          </a:xfrm>
+          <a:prstGeom prst="rect">
+            <a:avLst/>
+          </a:prstGeom>
+          <a:ln w="57150">
+            <a:solidFill>
+              <a:srgbClr val="FF0000"/>
+            </a:solidFill>
+          </a:ln>
+        </p:spPr>
+        <p:style>
+          <a:lnRef idx="1">
+            <a:schemeClr val="accent1"/>
+          </a:lnRef>
+          <a:fillRef idx="0">
+            <a:schemeClr val="accent1"/>
+          </a:fillRef>
+          <a:effectRef idx="0">
+            <a:schemeClr val="accent1"/>
+          </a:effectRef>
+          <a:fontRef idx="minor">
+            <a:schemeClr val="tx1"/>
+          </a:fontRef>
+        </p:style>
+        <p:txBody>
+          <a:bodyPr rtlCol="0" anchor="ctr"/>
+          <a:lstStyle/>
+          <a:p>
+            <a:pPr algn="ctr"/>
+            <a:endParaRPr lang="hr-HR"/>
+          </a:p>
+        </p:txBody>
+      </p:sp>
+      <p:sp>
+        <p:nvSpPr>
+          <p:cNvPr id="14" name="Rectangle 13"/>
+          <p:cNvSpPr/>
+          <p:nvPr/>
+        </p:nvSpPr>
+        <p:spPr>
+          <a:xfrm>
+            <a:off x="5436096" y="2816553"/>
+            <a:ext cx="576064" cy="288032"/>
+          </a:xfrm>
+          <a:prstGeom prst="rect">
+            <a:avLst/>
+          </a:prstGeom>
+          <a:ln w="57150">
+            <a:solidFill>
+              <a:srgbClr val="FF0000"/>
+            </a:solidFill>
+          </a:ln>
+        </p:spPr>
+        <p:style>
+          <a:lnRef idx="1">
+            <a:schemeClr val="accent1"/>
+          </a:lnRef>
+          <a:fillRef idx="0">
+            <a:schemeClr val="accent1"/>
+          </a:fillRef>
+          <a:effectRef idx="0">
+            <a:schemeClr val="accent1"/>
+          </a:effectRef>
+          <a:fontRef idx="minor">
+            <a:schemeClr val="tx1"/>
+          </a:fontRef>
+        </p:style>
+        <p:txBody>
+          <a:bodyPr rtlCol="0" anchor="ctr"/>
+          <a:lstStyle/>
+          <a:p>
+            <a:pPr algn="ctr"/>
+            <a:endParaRPr lang="hr-HR"/>
+          </a:p>
+        </p:txBody>
+      </p:sp>
+      <p:sp>
+        <p:nvSpPr>
+          <p:cNvPr id="3" name="Rectangle 2"/>
+          <p:cNvSpPr/>
+          <p:nvPr/>
+        </p:nvSpPr>
+        <p:spPr>
+          <a:xfrm>
+            <a:off x="6030162" y="2828484"/>
+            <a:ext cx="1116123" cy="216024"/>
+          </a:xfrm>
+          <a:prstGeom prst="rect">
+            <a:avLst/>
+          </a:prstGeom>
+          <a:solidFill>
+            <a:schemeClr val="bg1"/>
+          </a:solidFill>
+          <a:ln w="6350">
+            <a:solidFill>
+              <a:schemeClr val="tx1">
+                <a:lumMod val="50000"/>
+                <a:lumOff val="50000"/>
+              </a:schemeClr>
+            </a:solidFill>
+          </a:ln>
+          <a:effectLst>
+            <a:outerShdw blurRad="50800" dist="38100" dir="2700000" algn="tl" rotWithShape="0">
+              <a:prstClr val="black">
+                <a:alpha val="40000"/>
+              </a:prstClr>
+            </a:outerShdw>
+          </a:effectLst>
+        </p:spPr>
+        <p:style>
+          <a:lnRef idx="1">
+            <a:schemeClr val="accent1"/>
+          </a:lnRef>
+          <a:fillRef idx="0">
+            <a:schemeClr val="accent1"/>
+          </a:fillRef>
+          <a:effectRef idx="0">
+            <a:schemeClr val="accent1"/>
+          </a:effectRef>
+          <a:fontRef idx="minor">
+            <a:schemeClr val="tx1"/>
+          </a:fontRef>
+        </p:style>
+        <p:txBody>
+          <a:bodyPr wrap="none" rtlCol="0" anchor="ctr"/>
+          <a:lstStyle/>
+          <a:p>
+            <a:pPr algn="ctr"/>
+            <a:r>
+              <a:rPr lang="hr-HR" sz="1400" dirty="0" smtClean="0"/>
+              <a:t>Delnička vrata</a:t>
+            </a:r>
+            <a:endParaRPr lang="hr-HR" sz="1400" dirty="0"/>
+          </a:p>
+        </p:txBody>
+      </p:sp>
+      <p:sp>
+        <p:nvSpPr>
+          <p:cNvPr id="12" name="Rectangle 11"/>
+          <p:cNvSpPr/>
+          <p:nvPr/>
+        </p:nvSpPr>
+        <p:spPr>
+          <a:xfrm>
+            <a:off x="6634681" y="4149080"/>
+            <a:ext cx="983605" cy="216024"/>
+          </a:xfrm>
+          <a:prstGeom prst="rect">
+            <a:avLst/>
+          </a:prstGeom>
+          <a:solidFill>
+            <a:schemeClr val="bg1"/>
+          </a:solidFill>
+          <a:ln w="6350">
+            <a:solidFill>
+              <a:schemeClr val="tx1">
+                <a:lumMod val="50000"/>
+                <a:lumOff val="50000"/>
+              </a:schemeClr>
+            </a:solidFill>
+          </a:ln>
+          <a:effectLst>
+            <a:outerShdw blurRad="50800" dist="38100" dir="2700000" algn="tl" rotWithShape="0">
+              <a:prstClr val="black">
+                <a:alpha val="40000"/>
+              </a:prstClr>
+            </a:outerShdw>
+          </a:effectLst>
+        </p:spPr>
+        <p:style>
+          <a:lnRef idx="1">
+            <a:schemeClr val="accent1"/>
+          </a:lnRef>
+          <a:fillRef idx="0">
+            <a:schemeClr val="accent1"/>
+          </a:fillRef>
+          <a:effectRef idx="0">
+            <a:schemeClr val="accent1"/>
+          </a:effectRef>
+          <a:fontRef idx="minor">
+            <a:schemeClr val="tx1"/>
+          </a:fontRef>
+        </p:style>
+        <p:txBody>
+          <a:bodyPr wrap="none" rtlCol="0" anchor="ctr"/>
+          <a:lstStyle/>
+          <a:p>
+            <a:pPr algn="ctr"/>
+            <a:r>
+              <a:rPr lang="hr-HR" sz="1400" dirty="0" smtClean="0"/>
+              <a:t>Banska vrata</a:t>
+            </a:r>
+            <a:endParaRPr lang="hr-HR" sz="1400" dirty="0"/>
+          </a:p>
+        </p:txBody>
+      </p:sp>
+      <p:sp>
+        <p:nvSpPr>
+          <p:cNvPr id="13" name="Rectangle 12"/>
+          <p:cNvSpPr/>
+          <p:nvPr/>
+        </p:nvSpPr>
+        <p:spPr>
+          <a:xfrm>
+            <a:off x="6539543" y="5541610"/>
+            <a:ext cx="649872" cy="216024"/>
+          </a:xfrm>
+          <a:prstGeom prst="rect">
+            <a:avLst/>
+          </a:prstGeom>
+          <a:solidFill>
+            <a:schemeClr val="bg1"/>
+          </a:solidFill>
+          <a:ln w="6350">
+            <a:solidFill>
+              <a:schemeClr val="tx1">
+                <a:lumMod val="50000"/>
+                <a:lumOff val="50000"/>
+              </a:schemeClr>
+            </a:solidFill>
+          </a:ln>
+          <a:effectLst>
+            <a:outerShdw blurRad="50800" dist="38100" dir="2700000" algn="tl" rotWithShape="0">
+              <a:prstClr val="black">
+                <a:alpha val="40000"/>
+              </a:prstClr>
+            </a:outerShdw>
+          </a:effectLst>
+        </p:spPr>
+        <p:style>
+          <a:lnRef idx="1">
+            <a:schemeClr val="accent1"/>
+          </a:lnRef>
+          <a:fillRef idx="0">
+            <a:schemeClr val="accent1"/>
+          </a:fillRef>
+          <a:effectRef idx="0">
+            <a:schemeClr val="accent1"/>
+          </a:effectRef>
+          <a:fontRef idx="minor">
+            <a:schemeClr val="tx1"/>
+          </a:fontRef>
+        </p:style>
+        <p:txBody>
+          <a:bodyPr wrap="none" rtlCol="0" anchor="ctr"/>
+          <a:lstStyle/>
+          <a:p>
+            <a:pPr algn="ctr"/>
+            <a:r>
+              <a:rPr lang="hr-HR" sz="1400" dirty="0" smtClean="0"/>
+              <a:t>Vratnik</a:t>
+            </a:r>
+            <a:endParaRPr lang="hr-HR" sz="1400" dirty="0"/>
+          </a:p>
+        </p:txBody>
+      </p:sp>
+      <p:sp>
+        <p:nvSpPr>
+          <p:cNvPr id="15" name="Rectangle 14"/>
+          <p:cNvSpPr/>
+          <p:nvPr/>
+        </p:nvSpPr>
+        <p:spPr>
+          <a:xfrm rot="18191961">
+            <a:off x="7703570" y="5323871"/>
+            <a:ext cx="504056" cy="288032"/>
+          </a:xfrm>
+          <a:prstGeom prst="rect">
+            <a:avLst/>
+          </a:prstGeom>
+          <a:ln w="57150">
+            <a:solidFill>
+              <a:srgbClr val="FF0000"/>
+            </a:solidFill>
+          </a:ln>
+        </p:spPr>
+        <p:style>
+          <a:lnRef idx="1">
+            <a:schemeClr val="accent1"/>
+          </a:lnRef>
+          <a:fillRef idx="0">
+            <a:schemeClr val="accent1"/>
+          </a:fillRef>
+          <a:effectRef idx="0">
+            <a:schemeClr val="accent1"/>
+          </a:effectRef>
+          <a:fontRef idx="minor">
+            <a:schemeClr val="tx1"/>
+          </a:fontRef>
+        </p:style>
+        <p:txBody>
+          <a:bodyPr rtlCol="0" anchor="ctr"/>
+          <a:lstStyle/>
+          <a:p>
+            <a:pPr algn="ctr"/>
+            <a:endParaRPr lang="hr-HR"/>
+          </a:p>
+        </p:txBody>
+      </p:sp>
+      <p:sp>
+        <p:nvSpPr>
+          <p:cNvPr id="16" name="Rectangle 15"/>
+          <p:cNvSpPr/>
+          <p:nvPr/>
+        </p:nvSpPr>
+        <p:spPr>
+          <a:xfrm>
+            <a:off x="7068781" y="4960238"/>
+            <a:ext cx="1443557" cy="216024"/>
+          </a:xfrm>
+          <a:prstGeom prst="rect">
+            <a:avLst/>
+          </a:prstGeom>
+          <a:solidFill>
+            <a:schemeClr val="bg1"/>
+          </a:solidFill>
+          <a:ln w="6350">
+            <a:solidFill>
+              <a:schemeClr val="tx1">
+                <a:lumMod val="50000"/>
+                <a:lumOff val="50000"/>
+              </a:schemeClr>
+            </a:solidFill>
+          </a:ln>
+          <a:effectLst>
+            <a:outerShdw blurRad="50800" dist="38100" dir="2700000" algn="tl" rotWithShape="0">
+              <a:prstClr val="black">
+                <a:alpha val="40000"/>
+              </a:prstClr>
+            </a:outerShdw>
+          </a:effectLst>
+        </p:spPr>
+        <p:style>
+          <a:lnRef idx="1">
+            <a:schemeClr val="accent1"/>
+          </a:lnRef>
+          <a:fillRef idx="0">
+            <a:schemeClr val="accent1"/>
+          </a:fillRef>
+          <a:effectRef idx="0">
+            <a:schemeClr val="accent1"/>
+          </a:effectRef>
+          <a:fontRef idx="minor">
+            <a:schemeClr val="tx1"/>
+          </a:fontRef>
+        </p:style>
+        <p:txBody>
+          <a:bodyPr wrap="none" rtlCol="0" anchor="ctr"/>
+          <a:lstStyle/>
+          <a:p>
+            <a:pPr algn="ctr"/>
+            <a:r>
+              <a:rPr lang="hr-HR" sz="1400" dirty="0" smtClean="0"/>
+              <a:t>Tunel Mala Kapela</a:t>
+            </a:r>
+            <a:endParaRPr lang="hr-HR" sz="1400" dirty="0"/>
+          </a:p>
+        </p:txBody>
+      </p:sp>
+    </p:spTree>
+    <p:extLst>
+      <p:ext uri="{BB962C8B-B14F-4D97-AF65-F5344CB8AC3E}">
+        <p14:creationId xmlns:p14="http://schemas.microsoft.com/office/powerpoint/2010/main" val="3730369289"/>
+      </p:ext>
+    </p:extLst>
+  </p:cSld>
+  <p:clrMapOvr>
+    <a:masterClrMapping/>
+  </p:clrMapOvr>
+  <mc:AlternateContent xmlns:mc="http://schemas.openxmlformats.org/markup-compatibility/2006" xmlns:p14="http://schemas.microsoft.com/office/powerpoint/2010/main">
+    <mc:Choice Requires="p14">
+      <p:transition>
+        <p14:reveal/>
+      </p:transition>
+    </mc:Choice>
+    <mc:Fallback xmlns="">
+      <p:transition>
+        <p:fade/>
+      </p:transition>
+    </mc:Fallback>
+  </mc:AlternateContent>
+  <p:timing>
+    <p:tnLst>
+      <p:par>
+        <p:cTn id="1" dur="indefinite" restart="never" nodeType="tmRoot">
+          <p:childTnLst>
+            <p:seq concurrent="1" nextAc="seek">
+              <p:cTn id="2" dur="indefinite" nodeType="mainSeq">
+                <p:childTnLst>
+                  <p:par>
+                    <p:cTn id="3" fill="hold">
+                      <p:stCondLst>
+                        <p:cond delay="indefinite"/>
+                        <p:cond evt="onBegin" delay="0">
+                          <p:tn val="2"/>
+                        </p:cond>
+                      </p:stCondLst>
+                      <p:childTnLst>
+                        <p:par>
+                          <p:cTn id="4" fill="hold">
+                            <p:stCondLst>
+                              <p:cond delay="0"/>
+                            </p:stCondLst>
+                            <p:childTnLst>
+                              <p:par>
+                                <p:cTn id="5" presetID="10" presetClass="entr" presetSubtype="0" fill="hold" grpId="0" nodeType="afterEffect">
+                                  <p:stCondLst>
+                                    <p:cond delay="0"/>
+                                  </p:stCondLst>
+                                  <p:childTnLst>
+                                    <p:set>
+                                      <p:cBhvr>
+                                        <p:cTn id="6" dur="1" fill="hold">
+                                          <p:stCondLst>
+                                            <p:cond delay="0"/>
+                                          </p:stCondLst>
+                                        </p:cTn>
+                                        <p:tgtEl>
+                                          <p:spTgt spid="7"/>
+                                        </p:tgtEl>
+                                        <p:attrNameLst>
+                                          <p:attrName>style.visibility</p:attrName>
+                                        </p:attrNameLst>
+                                      </p:cBhvr>
+                                      <p:to>
+                                        <p:strVal val="visible"/>
+                                      </p:to>
+                                    </p:set>
+                                    <p:animEffect transition="in" filter="fade">
+                                      <p:cBhvr>
+                                        <p:cTn id="7" dur="250"/>
+                                        <p:tgtEl>
+                                          <p:spTgt spid="7"/>
+                                        </p:tgtEl>
+                                      </p:cBhvr>
+                                    </p:animEffect>
+                                  </p:childTnLst>
+                                </p:cTn>
+                              </p:par>
+                            </p:childTnLst>
+                          </p:cTn>
+                        </p:par>
+                        <p:par>
+                          <p:cTn id="8" fill="hold">
+                            <p:stCondLst>
+                              <p:cond delay="250"/>
+                            </p:stCondLst>
+                            <p:childTnLst>
+                              <p:par>
+                                <p:cTn id="9" presetID="10" presetClass="entr" presetSubtype="0" fill="hold" grpId="0" nodeType="afterEffect">
+                                  <p:stCondLst>
+                                    <p:cond delay="0"/>
+                                  </p:stCondLst>
+                                  <p:childTnLst>
+                                    <p:set>
+                                      <p:cBhvr>
+                                        <p:cTn id="10" dur="1" fill="hold">
+                                          <p:stCondLst>
+                                            <p:cond delay="0"/>
+                                          </p:stCondLst>
+                                        </p:cTn>
+                                        <p:tgtEl>
+                                          <p:spTgt spid="8"/>
+                                        </p:tgtEl>
+                                        <p:attrNameLst>
+                                          <p:attrName>style.visibility</p:attrName>
+                                        </p:attrNameLst>
+                                      </p:cBhvr>
+                                      <p:to>
+                                        <p:strVal val="visible"/>
+                                      </p:to>
+                                    </p:set>
+                                    <p:animEffect transition="in" filter="fade">
+                                      <p:cBhvr>
+                                        <p:cTn id="11" dur="250"/>
+                                        <p:tgtEl>
+                                          <p:spTgt spid="8"/>
+                                        </p:tgtEl>
+                                      </p:cBhvr>
+                                    </p:animEffect>
+                                  </p:childTnLst>
+                                </p:cTn>
+                              </p:par>
+                            </p:childTnLst>
+                          </p:cTn>
+                        </p:par>
+                        <p:par>
+                          <p:cTn id="12" fill="hold">
+                            <p:stCondLst>
+                              <p:cond delay="500"/>
+                            </p:stCondLst>
+                            <p:childTnLst>
+                              <p:par>
+                                <p:cTn id="13" presetID="10" presetClass="entr" presetSubtype="0" fill="hold" grpId="0" nodeType="afterEffect">
+                                  <p:stCondLst>
+                                    <p:cond delay="0"/>
+                                  </p:stCondLst>
+                                  <p:childTnLst>
+                                    <p:set>
+                                      <p:cBhvr>
+                                        <p:cTn id="14" dur="1" fill="hold">
+                                          <p:stCondLst>
+                                            <p:cond delay="0"/>
+                                          </p:stCondLst>
+                                        </p:cTn>
+                                        <p:tgtEl>
+                                          <p:spTgt spid="14"/>
+                                        </p:tgtEl>
+                                        <p:attrNameLst>
+                                          <p:attrName>style.visibility</p:attrName>
+                                        </p:attrNameLst>
+                                      </p:cBhvr>
+                                      <p:to>
+                                        <p:strVal val="visible"/>
+                                      </p:to>
+                                    </p:set>
+                                    <p:animEffect transition="in" filter="fade">
+                                      <p:cBhvr>
+                                        <p:cTn id="15" dur="250"/>
+                                        <p:tgtEl>
+                                          <p:spTgt spid="14"/>
+                                        </p:tgtEl>
+                                      </p:cBhvr>
+                                    </p:animEffect>
+                                  </p:childTnLst>
+                                </p:cTn>
+                              </p:par>
+                              <p:par>
+                                <p:cTn id="16" presetID="10" presetClass="entr" presetSubtype="0" fill="hold" grpId="0" nodeType="withEffect">
+                                  <p:stCondLst>
+                                    <p:cond delay="0"/>
+                                  </p:stCondLst>
+                                  <p:childTnLst>
+                                    <p:set>
+                                      <p:cBhvr>
+                                        <p:cTn id="17" dur="1" fill="hold">
+                                          <p:stCondLst>
+                                            <p:cond delay="0"/>
+                                          </p:stCondLst>
+                                        </p:cTn>
+                                        <p:tgtEl>
+                                          <p:spTgt spid="3"/>
+                                        </p:tgtEl>
+                                        <p:attrNameLst>
+                                          <p:attrName>style.visibility</p:attrName>
+                                        </p:attrNameLst>
+                                      </p:cBhvr>
+                                      <p:to>
+                                        <p:strVal val="visible"/>
+                                      </p:to>
+                                    </p:set>
+                                    <p:animEffect transition="in" filter="fade">
+                                      <p:cBhvr>
+                                        <p:cTn id="18" dur="250"/>
+                                        <p:tgtEl>
+                                          <p:spTgt spid="3"/>
+                                        </p:tgtEl>
+                                      </p:cBhvr>
+                                    </p:animEffect>
+                                  </p:childTnLst>
+                                </p:cTn>
+                              </p:par>
+                            </p:childTnLst>
+                          </p:cTn>
+                        </p:par>
+                        <p:par>
+                          <p:cTn id="19" fill="hold">
+                            <p:stCondLst>
+                              <p:cond delay="750"/>
+                            </p:stCondLst>
+                            <p:childTnLst>
+                              <p:par>
+                                <p:cTn id="20" presetID="10" presetClass="entr" presetSubtype="0" fill="hold" grpId="0" nodeType="afterEffect">
+                                  <p:stCondLst>
+                                    <p:cond delay="0"/>
+                                  </p:stCondLst>
+                                  <p:childTnLst>
+                                    <p:set>
+                                      <p:cBhvr>
+                                        <p:cTn id="21" dur="1" fill="hold">
+                                          <p:stCondLst>
+                                            <p:cond delay="0"/>
+                                          </p:stCondLst>
+                                        </p:cTn>
+                                        <p:tgtEl>
+                                          <p:spTgt spid="9"/>
+                                        </p:tgtEl>
+                                        <p:attrNameLst>
+                                          <p:attrName>style.visibility</p:attrName>
+                                        </p:attrNameLst>
+                                      </p:cBhvr>
+                                      <p:to>
+                                        <p:strVal val="visible"/>
+                                      </p:to>
+                                    </p:set>
+                                    <p:animEffect transition="in" filter="fade">
+                                      <p:cBhvr>
+                                        <p:cTn id="22" dur="250"/>
+                                        <p:tgtEl>
+                                          <p:spTgt spid="9"/>
+                                        </p:tgtEl>
+                                      </p:cBhvr>
+                                    </p:animEffect>
+                                  </p:childTnLst>
+                                </p:cTn>
+                              </p:par>
+                              <p:par>
+                                <p:cTn id="23" presetID="10" presetClass="entr" presetSubtype="0" fill="hold" grpId="0" nodeType="withEffect">
+                                  <p:stCondLst>
+                                    <p:cond delay="0"/>
+                                  </p:stCondLst>
+                                  <p:childTnLst>
+                                    <p:set>
+                                      <p:cBhvr>
+                                        <p:cTn id="24" dur="1" fill="hold">
+                                          <p:stCondLst>
+                                            <p:cond delay="0"/>
+                                          </p:stCondLst>
+                                        </p:cTn>
+                                        <p:tgtEl>
+                                          <p:spTgt spid="12"/>
+                                        </p:tgtEl>
+                                        <p:attrNameLst>
+                                          <p:attrName>style.visibility</p:attrName>
+                                        </p:attrNameLst>
+                                      </p:cBhvr>
+                                      <p:to>
+                                        <p:strVal val="visible"/>
+                                      </p:to>
+                                    </p:set>
+                                    <p:animEffect transition="in" filter="fade">
+                                      <p:cBhvr>
+                                        <p:cTn id="25" dur="250"/>
+                                        <p:tgtEl>
+                                          <p:spTgt spid="12"/>
+                                        </p:tgtEl>
+                                      </p:cBhvr>
+                                    </p:animEffect>
+                                  </p:childTnLst>
+                                </p:cTn>
+                              </p:par>
+                            </p:childTnLst>
+                          </p:cTn>
+                        </p:par>
+                        <p:par>
+                          <p:cTn id="26" fill="hold">
+                            <p:stCondLst>
+                              <p:cond delay="1000"/>
+                            </p:stCondLst>
+                            <p:childTnLst>
+                              <p:par>
+                                <p:cTn id="27" presetID="10" presetClass="entr" presetSubtype="0" fill="hold" grpId="0" nodeType="afterEffect">
+                                  <p:stCondLst>
+                                    <p:cond delay="0"/>
+                                  </p:stCondLst>
+                                  <p:childTnLst>
+                                    <p:set>
+                                      <p:cBhvr>
+                                        <p:cTn id="28" dur="1" fill="hold">
+                                          <p:stCondLst>
+                                            <p:cond delay="0"/>
+                                          </p:stCondLst>
+                                        </p:cTn>
+                                        <p:tgtEl>
+                                          <p:spTgt spid="2"/>
+                                        </p:tgtEl>
+                                        <p:attrNameLst>
+                                          <p:attrName>style.visibility</p:attrName>
+                                        </p:attrNameLst>
+                                      </p:cBhvr>
+                                      <p:to>
+                                        <p:strVal val="visible"/>
+                                      </p:to>
+                                    </p:set>
+                                    <p:animEffect transition="in" filter="fade">
+                                      <p:cBhvr>
+                                        <p:cTn id="29" dur="250"/>
+                                        <p:tgtEl>
+                                          <p:spTgt spid="2"/>
+                                        </p:tgtEl>
+                                      </p:cBhvr>
+                                    </p:animEffect>
+                                  </p:childTnLst>
+                                </p:cTn>
+                              </p:par>
+                              <p:par>
+                                <p:cTn id="30" presetID="10" presetClass="entr" presetSubtype="0" fill="hold" grpId="0" nodeType="withEffect">
+                                  <p:stCondLst>
+                                    <p:cond delay="0"/>
+                                  </p:stCondLst>
+                                  <p:childTnLst>
+                                    <p:set>
+                                      <p:cBhvr>
+                                        <p:cTn id="31" dur="1" fill="hold">
+                                          <p:stCondLst>
+                                            <p:cond delay="0"/>
+                                          </p:stCondLst>
+                                        </p:cTn>
+                                        <p:tgtEl>
+                                          <p:spTgt spid="13"/>
+                                        </p:tgtEl>
+                                        <p:attrNameLst>
+                                          <p:attrName>style.visibility</p:attrName>
+                                        </p:attrNameLst>
+                                      </p:cBhvr>
+                                      <p:to>
+                                        <p:strVal val="visible"/>
+                                      </p:to>
+                                    </p:set>
+                                    <p:animEffect transition="in" filter="fade">
+                                      <p:cBhvr>
+                                        <p:cTn id="32" dur="250"/>
+                                        <p:tgtEl>
+                                          <p:spTgt spid="13"/>
+                                        </p:tgtEl>
+                                      </p:cBhvr>
+                                    </p:animEffect>
+                                  </p:childTnLst>
+                                </p:cTn>
+                              </p:par>
+                            </p:childTnLst>
+                          </p:cTn>
+                        </p:par>
+                        <p:par>
+                          <p:cTn id="33" fill="hold">
+                            <p:stCondLst>
+                              <p:cond delay="1250"/>
+                            </p:stCondLst>
+                            <p:childTnLst>
+                              <p:par>
+                                <p:cTn id="34" presetID="10" presetClass="entr" presetSubtype="0" fill="hold" grpId="0" nodeType="afterEffect">
+                                  <p:stCondLst>
+                                    <p:cond delay="0"/>
+                                  </p:stCondLst>
+                                  <p:childTnLst>
+                                    <p:set>
+                                      <p:cBhvr>
+                                        <p:cTn id="35" dur="1" fill="hold">
+                                          <p:stCondLst>
+                                            <p:cond delay="0"/>
+                                          </p:stCondLst>
+                                        </p:cTn>
+                                        <p:tgtEl>
+                                          <p:spTgt spid="15"/>
+                                        </p:tgtEl>
+                                        <p:attrNameLst>
+                                          <p:attrName>style.visibility</p:attrName>
+                                        </p:attrNameLst>
+                                      </p:cBhvr>
+                                      <p:to>
+                                        <p:strVal val="visible"/>
+                                      </p:to>
+                                    </p:set>
+                                    <p:animEffect transition="in" filter="fade">
+                                      <p:cBhvr>
+                                        <p:cTn id="36" dur="250"/>
+                                        <p:tgtEl>
+                                          <p:spTgt spid="15"/>
+                                        </p:tgtEl>
+                                      </p:cBhvr>
+                                    </p:animEffect>
+                                  </p:childTnLst>
+                                </p:cTn>
+                              </p:par>
+                              <p:par>
+                                <p:cTn id="37" presetID="10" presetClass="entr" presetSubtype="0" fill="hold" grpId="0" nodeType="withEffect">
+                                  <p:stCondLst>
+                                    <p:cond delay="0"/>
+                                  </p:stCondLst>
+                                  <p:childTnLst>
+                                    <p:set>
+                                      <p:cBhvr>
+                                        <p:cTn id="38" dur="1" fill="hold">
+                                          <p:stCondLst>
+                                            <p:cond delay="0"/>
+                                          </p:stCondLst>
+                                        </p:cTn>
+                                        <p:tgtEl>
+                                          <p:spTgt spid="16"/>
+                                        </p:tgtEl>
+                                        <p:attrNameLst>
+                                          <p:attrName>style.visibility</p:attrName>
+                                        </p:attrNameLst>
+                                      </p:cBhvr>
+                                      <p:to>
+                                        <p:strVal val="visible"/>
+                                      </p:to>
+                                    </p:set>
+                                    <p:animEffect transition="in" filter="fade">
+                                      <p:cBhvr>
+                                        <p:cTn id="39" dur="250"/>
+                                        <p:tgtEl>
+                                          <p:spTgt spid="16"/>
+                                        </p:tgtEl>
+                                      </p:cBhvr>
+                                    </p:animEffect>
+                                  </p:childTnLst>
+                                </p:cTn>
+                              </p:par>
+                            </p:childTnLst>
+                          </p:cTn>
+                        </p:par>
+                      </p:childTnLst>
+                    </p:cTn>
+                  </p:par>
+                </p:childTnLst>
+              </p:cTn>
+              <p:prevCondLst>
+                <p:cond evt="onPrev" delay="0">
+                  <p:tgtEl>
+                    <p:sldTgt/>
+                  </p:tgtEl>
+                </p:cond>
+              </p:prevCondLst>
+              <p:nextCondLst>
+                <p:cond evt="onNext" delay="0">
+                  <p:tgtEl>
+                    <p:sldTgt/>
+                  </p:tgtEl>
+                </p:cond>
+              </p:nextCondLst>
+            </p:seq>
+          </p:childTnLst>
+        </p:cTn>
+      </p:par>
+    </p:tnLst>
+    <p:bldLst>
+      <p:bldP spid="7" grpId="0" animBg="1"/>
+      <p:bldP spid="8" grpId="0" animBg="1"/>
+      <p:bldP spid="2" grpId="0" animBg="1"/>
+      <p:bldP spid="9" grpId="0" animBg="1"/>
+      <p:bldP spid="14" grpId="0" animBg="1"/>
+      <p:bldP spid="3" grpId="0" animBg="1"/>
+      <p:bldP spid="12" grpId="0" animBg="1"/>
+      <p:bldP spid="13" grpId="0" animBg="1"/>
+      <p:bldP spid="15" grpId="0" animBg="1"/>
+      <p:bldP spid="16" grpId="0" animBg="1"/>
+    </p:bldLst>
+  </p:timing>
+</p:sld>
+</file>
+
+<file path=ppt/slides/slide5.xml><?xml version="1.0" encoding="utf-8"?>
+<p:sld xmlns:a="http://schemas.openxmlformats.org/drawingml/2006/main" xmlns:r="http://schemas.openxmlformats.org/officeDocument/2006/relationships" xmlns:p="http://schemas.openxmlformats.org/presentationml/2006/main">
+  <p:cSld>
+    <p:spTree>
+      <p:nvGrpSpPr>
+        <p:cNvPr id="1" name=""/>
+        <p:cNvGrpSpPr/>
+        <p:nvPr/>
+      </p:nvGrpSpPr>
+      <p:grpSpPr>
+        <a:xfrm>
+          <a:off x="0" y="0"/>
+          <a:ext cx="0" cy="0"/>
+          <a:chOff x="0" y="0"/>
+          <a:chExt cx="0" cy="0"/>
+        </a:xfrm>
+      </p:grpSpPr>
+      <p:pic>
+        <p:nvPicPr>
           <p:cNvPr id="10" name="Picture 2"/>
           <p:cNvPicPr>
             <a:picLocks noChangeAspect="1" noChangeArrowheads="1"/>
@@ -6455,13 +7654,13 @@
   <p:clrMapOvr>
     <a:masterClrMapping/>
   </p:clrMapOvr>
-  <mc:AlternateContent xmlns:mc="http://schemas.openxmlformats.org/markup-compatibility/2006">
-    <mc:Choice xmlns:p14="http://schemas.microsoft.com/office/powerpoint/2010/main" Requires="p14">
+  <mc:AlternateContent xmlns:mc="http://schemas.openxmlformats.org/markup-compatibility/2006" xmlns:p14="http://schemas.microsoft.com/office/powerpoint/2010/main">
+    <mc:Choice Requires="p14">
       <p:transition>
         <p14:reveal/>
       </p:transition>
     </mc:Choice>
-    <mc:Fallback>
+    <mc:Fallback xmlns="">
       <p:transition>
         <p:fade/>
       </p:transition>
@@ -6603,7 +7802,7 @@
 </p:sld>
 </file>
 
-<file path=ppt/slides/slide5.xml><?xml version="1.0" encoding="utf-8"?>
+<file path=ppt/slides/slide6.xml><?xml version="1.0" encoding="utf-8"?>
 <p:sld xmlns:a="http://schemas.openxmlformats.org/drawingml/2006/main" xmlns:r="http://schemas.openxmlformats.org/officeDocument/2006/relationships" xmlns:p="http://schemas.openxmlformats.org/presentationml/2006/main">
   <p:cSld>
     <p:spTree>
@@ -7863,13 +9062,13 @@
   <p:clrMapOvr>
     <a:masterClrMapping/>
   </p:clrMapOvr>
-  <mc:AlternateContent xmlns:mc="http://schemas.openxmlformats.org/markup-compatibility/2006">
-    <mc:Choice xmlns:p14="http://schemas.microsoft.com/office/powerpoint/2010/main" Requires="p14">
+  <mc:AlternateContent xmlns:mc="http://schemas.openxmlformats.org/markup-compatibility/2006" xmlns:p14="http://schemas.microsoft.com/office/powerpoint/2010/main">
+    <mc:Choice Requires="p14">
       <p:transition>
         <p14:reveal/>
       </p:transition>
     </mc:Choice>
-    <mc:Fallback>
+    <mc:Fallback xmlns="">
       <p:transition>
         <p:fade/>
       </p:transition>
@@ -8507,7 +9706,7 @@
 </p:sld>
 </file>
 
-<file path=ppt/slides/slide6.xml><?xml version="1.0" encoding="utf-8"?>
+<file path=ppt/slides/slide7.xml><?xml version="1.0" encoding="utf-8"?>
 <p:sld xmlns:a="http://schemas.openxmlformats.org/drawingml/2006/main" xmlns:r="http://schemas.openxmlformats.org/officeDocument/2006/relationships" xmlns:p="http://schemas.openxmlformats.org/presentationml/2006/main">
   <p:cSld>
     <p:spTree>
@@ -9236,13 +10435,13 @@
   <p:clrMapOvr>
     <a:masterClrMapping/>
   </p:clrMapOvr>
-  <mc:AlternateContent xmlns:mc="http://schemas.openxmlformats.org/markup-compatibility/2006">
-    <mc:Choice xmlns:p14="http://schemas.microsoft.com/office/powerpoint/2010/main" Requires="p14">
+  <mc:AlternateContent xmlns:mc="http://schemas.openxmlformats.org/markup-compatibility/2006" xmlns:p14="http://schemas.microsoft.com/office/powerpoint/2010/main">
+    <mc:Choice Requires="p14">
       <p:transition>
         <p14:reveal/>
       </p:transition>
     </mc:Choice>
-    <mc:Fallback>
+    <mc:Fallback xmlns="">
       <p:transition>
         <p:fade/>
       </p:transition>
@@ -9447,7 +10646,7 @@
 </p:sld>
 </file>
 
-<file path=ppt/slides/slide7.xml><?xml version="1.0" encoding="utf-8"?>
+<file path=ppt/slides/slide8.xml><?xml version="1.0" encoding="utf-8"?>
 <p:sld xmlns:a="http://schemas.openxmlformats.org/drawingml/2006/main" xmlns:r="http://schemas.openxmlformats.org/officeDocument/2006/relationships" xmlns:p="http://schemas.openxmlformats.org/presentationml/2006/main">
   <p:cSld>
     <p:spTree>
@@ -9749,13 +10948,13 @@
   <p:clrMapOvr>
     <a:masterClrMapping/>
   </p:clrMapOvr>
-  <mc:AlternateContent xmlns:mc="http://schemas.openxmlformats.org/markup-compatibility/2006">
-    <mc:Choice xmlns:p14="http://schemas.microsoft.com/office/powerpoint/2010/main" Requires="p14">
+  <mc:AlternateContent xmlns:mc="http://schemas.openxmlformats.org/markup-compatibility/2006" xmlns:p14="http://schemas.microsoft.com/office/powerpoint/2010/main">
+    <mc:Choice Requires="p14">
       <p:transition>
         <p14:reveal/>
       </p:transition>
     </mc:Choice>
-    <mc:Fallback>
+    <mc:Fallback xmlns="">
       <p:transition>
         <p:fade/>
       </p:transition>
